--- a/my_ppts/Presentation_mode_2.pptx
+++ b/my_ppts/Presentation_mode_2.pptx
@@ -3152,7 +3152,7 @@
               </a:defRPr>
             </a:pPr>
             <a:r>
-              <a:t>"Transformer Model: Advancing Sequence Transduction with Self-Attention"</a:t>
+              <a:t>"Transformer: Self-Attention for Improved Sequence Transduction"</a:t>
             </a:r>
           </a:p>
         </p:txBody>
@@ -3177,7 +3177,7 @@
       <p:grpSpPr/>
       <p:pic>
         <p:nvPicPr>
-          <p:cNvPr id="2" name="Picture 1" descr="bg3.png"/>
+          <p:cNvPr id="2" name="Picture 1" descr="bg2.png"/>
           <p:cNvPicPr>
             <a:picLocks noChangeAspect="1"/>
           </p:cNvPicPr>
@@ -3450,7 +3450,7 @@
       <p:grpSpPr/>
       <p:pic>
         <p:nvPicPr>
-          <p:cNvPr id="2" name="Picture 1" descr="bg1.png"/>
+          <p:cNvPr id="2" name="Picture 1" descr="bg2.png"/>
           <p:cNvPicPr>
             <a:picLocks noChangeAspect="1"/>
           </p:cNvPicPr>
@@ -3574,7 +3574,7 @@
       <p:grpSpPr/>
       <p:pic>
         <p:nvPicPr>
-          <p:cNvPr id="2" name="Picture 1" descr="bg1.png"/>
+          <p:cNvPr id="2" name="Picture 1" descr="bg3.png"/>
           <p:cNvPicPr>
             <a:picLocks noChangeAspect="1"/>
           </p:cNvPicPr>
@@ -3832,7 +3832,7 @@
       <p:grpSpPr/>
       <p:pic>
         <p:nvPicPr>
-          <p:cNvPr id="2" name="Picture 1" descr="bg2.png"/>
+          <p:cNvPr id="2" name="Picture 1" descr="bg3.png"/>
           <p:cNvPicPr>
             <a:picLocks noChangeAspect="1"/>
           </p:cNvPicPr>
@@ -3966,7 +3966,7 @@
       <p:grpSpPr/>
       <p:pic>
         <p:nvPicPr>
-          <p:cNvPr id="2" name="Picture 1" descr="bg1.png"/>
+          <p:cNvPr id="2" name="Picture 1" descr="bg3.png"/>
           <p:cNvPicPr>
             <a:picLocks noChangeAspect="1"/>
           </p:cNvPicPr>
